--- a/QS_Training_EXTJS_SonVQ - Demo.pptx
+++ b/QS_Training_EXTJS_SonVQ - Demo.pptx
@@ -115,7 +115,7 @@
   </p:defaultTextStyle>
   <p:extLst>
     <p:ext uri="{EFAFB233-063F-42B5-8137-9DF3F51BA10A}">
-      <p15:sldGuideLst xmlns:p15="http://schemas.microsoft.com/office/powerpoint/2012/main" xmlns="">
+      <p15:sldGuideLst xmlns="" xmlns:p15="http://schemas.microsoft.com/office/powerpoint/2012/main">
         <p15:guide id="1" orient="horz" pos="2160">
           <p15:clr>
             <a:srgbClr val="A4A3A4"/>
@@ -291,7 +291,7 @@
     </p:spTree>
     <p:extLst>
       <p:ext uri="{BB962C8B-B14F-4D97-AF65-F5344CB8AC3E}">
-        <p14:creationId xmlns:p14="http://schemas.microsoft.com/office/powerpoint/2010/main" xmlns="" val="3557071831"/>
+        <p14:creationId xmlns="" xmlns:p14="http://schemas.microsoft.com/office/powerpoint/2010/main" val="3557071831"/>
       </p:ext>
     </p:extLst>
   </p:cSld>
@@ -554,7 +554,7 @@
     </p:spTree>
     <p:extLst>
       <p:ext uri="{BB962C8B-B14F-4D97-AF65-F5344CB8AC3E}">
-        <p14:creationId xmlns:p14="http://schemas.microsoft.com/office/powerpoint/2010/main" xmlns="" val="967518016"/>
+        <p14:creationId xmlns="" xmlns:p14="http://schemas.microsoft.com/office/powerpoint/2010/main" val="967518016"/>
       </p:ext>
     </p:extLst>
   </p:cSld>
@@ -730,7 +730,7 @@
     </p:spTree>
     <p:extLst>
       <p:ext uri="{BB962C8B-B14F-4D97-AF65-F5344CB8AC3E}">
-        <p14:creationId xmlns:p14="http://schemas.microsoft.com/office/powerpoint/2010/main" xmlns="" val="1083453538"/>
+        <p14:creationId xmlns="" xmlns:p14="http://schemas.microsoft.com/office/powerpoint/2010/main" val="1083453538"/>
       </p:ext>
     </p:extLst>
   </p:cSld>
@@ -796,15 +796,23 @@
             </a:r>
           </a:p>
           <a:p>
-            <a:endParaRPr lang="en-US" dirty="0" smtClean="0"/>
-          </a:p>
-          <a:p>
-            <a:endParaRPr lang="en-US" dirty="0" smtClean="0"/>
-          </a:p>
-          <a:p>
-            <a:r>
-              <a:rPr lang="en-US" smtClean="0"/>
-              <a:t>https://console.cloud.google.com/compute/instances?_ga=1.148555569.700798094.1458116336&amp;project=amazing-wheel-1252&amp;graph=GCE_CPU&amp;duration=PT1H</a:t>
+            <a:r>
+              <a:rPr lang="en-US" smtClean="0"/>
+              <a:t>https</a:t>
+            </a:r>
+            <a:r>
+              <a:rPr lang="en-US" dirty="0" smtClean="0"/>
+              <a:t>://console.cloud.google.com/compute/instances?_</a:t>
+            </a:r>
+            <a:r>
+              <a:rPr lang="en-US" dirty="0" smtClean="0"/>
+              <a:t>ga=1.148555569.700798094.1458116336&amp;project=amazing-wheel-1252&amp;graph=GCE_CPU&amp;duration=PT1H</a:t>
+            </a:r>
+          </a:p>
+          <a:p>
+            <a:r>
+              <a:rPr lang="en-US" dirty="0" smtClean="0"/>
+              <a:t>http://23.251.156.209/extjs/theming-team-workspace/qsoft-training-app/</a:t>
             </a:r>
             <a:endParaRPr lang="en-US" dirty="0"/>
           </a:p>
@@ -837,7 +845,7 @@
     </p:spTree>
     <p:extLst>
       <p:ext uri="{BB962C8B-B14F-4D97-AF65-F5344CB8AC3E}">
-        <p14:creationId xmlns:p14="http://schemas.microsoft.com/office/powerpoint/2010/main" xmlns="" val="3097372011"/>
+        <p14:creationId xmlns="" xmlns:p14="http://schemas.microsoft.com/office/powerpoint/2010/main" val="3097372011"/>
       </p:ext>
     </p:extLst>
   </p:cSld>
@@ -1100,7 +1108,7 @@
     <a:masterClrMapping/>
   </p:clrMapOvr>
   <mc:AlternateContent xmlns:mc="http://schemas.openxmlformats.org/markup-compatibility/2006">
-    <mc:Choice xmlns:p14="http://schemas.microsoft.com/office/powerpoint/2010/main" xmlns="" Requires="p14">
+    <mc:Choice xmlns="" xmlns:p14="http://schemas.microsoft.com/office/powerpoint/2010/main" Requires="p14">
       <p:transition p14:dur="100">
         <p:cut/>
       </p:transition>
@@ -1295,7 +1303,7 @@
     <a:masterClrMapping/>
   </p:clrMapOvr>
   <mc:AlternateContent xmlns:mc="http://schemas.openxmlformats.org/markup-compatibility/2006">
-    <mc:Choice xmlns:p14="http://schemas.microsoft.com/office/powerpoint/2010/main" xmlns="" Requires="p14">
+    <mc:Choice xmlns="" xmlns:p14="http://schemas.microsoft.com/office/powerpoint/2010/main" Requires="p14">
       <p:transition p14:dur="100">
         <p:cut/>
       </p:transition>
@@ -1500,7 +1508,7 @@
     <a:masterClrMapping/>
   </p:clrMapOvr>
   <mc:AlternateContent xmlns:mc="http://schemas.openxmlformats.org/markup-compatibility/2006">
-    <mc:Choice xmlns:p14="http://schemas.microsoft.com/office/powerpoint/2010/main" xmlns="" Requires="p14">
+    <mc:Choice xmlns="" xmlns:p14="http://schemas.microsoft.com/office/powerpoint/2010/main" Requires="p14">
       <p:transition p14:dur="100">
         <p:cut/>
       </p:transition>
@@ -1705,7 +1713,7 @@
     <a:masterClrMapping/>
   </p:clrMapOvr>
   <mc:AlternateContent xmlns:mc="http://schemas.openxmlformats.org/markup-compatibility/2006">
-    <mc:Choice xmlns:p14="http://schemas.microsoft.com/office/powerpoint/2010/main" xmlns="" Requires="p14">
+    <mc:Choice xmlns="" xmlns:p14="http://schemas.microsoft.com/office/powerpoint/2010/main" Requires="p14">
       <p:transition p14:dur="100">
         <p:cut/>
       </p:transition>
@@ -1976,7 +1984,7 @@
     <a:masterClrMapping/>
   </p:clrMapOvr>
   <mc:AlternateContent xmlns:mc="http://schemas.openxmlformats.org/markup-compatibility/2006">
-    <mc:Choice xmlns:p14="http://schemas.microsoft.com/office/powerpoint/2010/main" xmlns="" Requires="p14">
+    <mc:Choice xmlns="" xmlns:p14="http://schemas.microsoft.com/office/powerpoint/2010/main" Requires="p14">
       <p:transition p14:dur="100">
         <p:cut/>
       </p:transition>
@@ -2294,7 +2302,7 @@
     <a:masterClrMapping/>
   </p:clrMapOvr>
   <mc:AlternateContent xmlns:mc="http://schemas.openxmlformats.org/markup-compatibility/2006">
-    <mc:Choice xmlns:p14="http://schemas.microsoft.com/office/powerpoint/2010/main" xmlns="" Requires="p14">
+    <mc:Choice xmlns="" xmlns:p14="http://schemas.microsoft.com/office/powerpoint/2010/main" Requires="p14">
       <p:transition p14:dur="100">
         <p:cut/>
       </p:transition>
@@ -2746,7 +2754,7 @@
     <a:masterClrMapping/>
   </p:clrMapOvr>
   <mc:AlternateContent xmlns:mc="http://schemas.openxmlformats.org/markup-compatibility/2006">
-    <mc:Choice xmlns:p14="http://schemas.microsoft.com/office/powerpoint/2010/main" xmlns="" Requires="p14">
+    <mc:Choice xmlns="" xmlns:p14="http://schemas.microsoft.com/office/powerpoint/2010/main" Requires="p14">
       <p:transition p14:dur="100">
         <p:cut/>
       </p:transition>
@@ -2894,7 +2902,7 @@
     <a:masterClrMapping/>
   </p:clrMapOvr>
   <mc:AlternateContent xmlns:mc="http://schemas.openxmlformats.org/markup-compatibility/2006">
-    <mc:Choice xmlns:p14="http://schemas.microsoft.com/office/powerpoint/2010/main" xmlns="" Requires="p14">
+    <mc:Choice xmlns="" xmlns:p14="http://schemas.microsoft.com/office/powerpoint/2010/main" Requires="p14">
       <p:transition p14:dur="100">
         <p:cut/>
       </p:transition>
@@ -3014,7 +3022,7 @@
     <a:masterClrMapping/>
   </p:clrMapOvr>
   <mc:AlternateContent xmlns:mc="http://schemas.openxmlformats.org/markup-compatibility/2006">
-    <mc:Choice xmlns:p14="http://schemas.microsoft.com/office/powerpoint/2010/main" xmlns="" Requires="p14">
+    <mc:Choice xmlns="" xmlns:p14="http://schemas.microsoft.com/office/powerpoint/2010/main" Requires="p14">
       <p:transition p14:dur="100">
         <p:cut/>
       </p:transition>
@@ -3316,7 +3324,7 @@
     <a:masterClrMapping/>
   </p:clrMapOvr>
   <mc:AlternateContent xmlns:mc="http://schemas.openxmlformats.org/markup-compatibility/2006">
-    <mc:Choice xmlns:p14="http://schemas.microsoft.com/office/powerpoint/2010/main" xmlns="" Requires="p14">
+    <mc:Choice xmlns="" xmlns:p14="http://schemas.microsoft.com/office/powerpoint/2010/main" Requires="p14">
       <p:transition p14:dur="100">
         <p:cut/>
       </p:transition>
@@ -3601,7 +3609,7 @@
     <a:masterClrMapping/>
   </p:clrMapOvr>
   <mc:AlternateContent xmlns:mc="http://schemas.openxmlformats.org/markup-compatibility/2006">
-    <mc:Choice xmlns:p14="http://schemas.microsoft.com/office/powerpoint/2010/main" xmlns="" Requires="p14">
+    <mc:Choice xmlns="" xmlns:p14="http://schemas.microsoft.com/office/powerpoint/2010/main" Requires="p14">
       <p:transition p14:dur="100">
         <p:cut/>
       </p:transition>
@@ -3922,7 +3930,7 @@
     <p:sldLayoutId id="2147485506" r:id="rId11"/>
   </p:sldLayoutIdLst>
   <mc:AlternateContent xmlns:mc="http://schemas.openxmlformats.org/markup-compatibility/2006">
-    <mc:Choice xmlns:p14="http://schemas.microsoft.com/office/powerpoint/2010/main" xmlns="" Requires="p14">
+    <mc:Choice xmlns="" xmlns:p14="http://schemas.microsoft.com/office/powerpoint/2010/main" Requires="p14">
       <p:transition p14:dur="100">
         <p:cut/>
       </p:transition>
@@ -4590,7 +4598,7 @@
     </p:spTree>
     <p:extLst>
       <p:ext uri="{BB962C8B-B14F-4D97-AF65-F5344CB8AC3E}">
-        <p14:creationId xmlns:p14="http://schemas.microsoft.com/office/powerpoint/2010/main" xmlns="" val="1516866467"/>
+        <p14:creationId xmlns="" xmlns:p14="http://schemas.microsoft.com/office/powerpoint/2010/main" val="1516866467"/>
       </p:ext>
     </p:extLst>
   </p:cSld>
@@ -4598,7 +4606,7 @@
     <a:overrideClrMapping bg1="lt1" tx1="dk1" bg2="lt2" tx2="dk2" accent1="accent1" accent2="accent2" accent3="accent3" accent4="accent4" accent5="accent5" accent6="accent6" hlink="hlink" folHlink="folHlink"/>
   </p:clrMapOvr>
   <mc:AlternateContent xmlns:mc="http://schemas.openxmlformats.org/markup-compatibility/2006">
-    <mc:Choice xmlns:p14="http://schemas.microsoft.com/office/powerpoint/2010/main" xmlns="" Requires="p14">
+    <mc:Choice xmlns="" xmlns:p14="http://schemas.microsoft.com/office/powerpoint/2010/main" Requires="p14">
       <p:transition p14:dur="100">
         <p:cut/>
       </p:transition>
@@ -4705,13 +4713,7 @@
               <a:rPr lang="en-US" sz="2200" dirty="0" smtClean="0">
                 <a:latin typeface="Cambria" pitchFamily="18" charset="0"/>
               </a:rPr>
-              <a:t>Demo </a:t>
-            </a:r>
-            <a:r>
-              <a:rPr lang="en-US" sz="2200" dirty="0" smtClean="0">
-                <a:latin typeface="Cambria" pitchFamily="18" charset="0"/>
-              </a:rPr>
-              <a:t>app (admin and normal user)</a:t>
+              <a:t>Demo app (admin and normal user)</a:t>
             </a:r>
           </a:p>
           <a:p>
@@ -4756,9 +4758,6 @@
               </a:rPr>
               <a:t>Questions and Improvements</a:t>
             </a:r>
-            <a:endParaRPr lang="en-US" sz="2200" dirty="0" smtClean="0">
-              <a:latin typeface="Cambria" pitchFamily="18" charset="0"/>
-            </a:endParaRPr>
           </a:p>
           <a:p>
             <a:pPr>
@@ -4787,7 +4786,7 @@
     </p:spTree>
     <p:extLst>
       <p:ext uri="{BB962C8B-B14F-4D97-AF65-F5344CB8AC3E}">
-        <p14:creationId xmlns:p14="http://schemas.microsoft.com/office/powerpoint/2010/main" xmlns="" val="2682096168"/>
+        <p14:creationId xmlns="" xmlns:p14="http://schemas.microsoft.com/office/powerpoint/2010/main" val="2682096168"/>
       </p:ext>
     </p:extLst>
   </p:cSld>
@@ -4795,7 +4794,7 @@
     <a:masterClrMapping/>
   </p:clrMapOvr>
   <mc:AlternateContent xmlns:mc="http://schemas.openxmlformats.org/markup-compatibility/2006">
-    <mc:Choice xmlns:p14="http://schemas.microsoft.com/office/powerpoint/2010/main" xmlns="" Requires="p14">
+    <mc:Choice xmlns="" xmlns:p14="http://schemas.microsoft.com/office/powerpoint/2010/main" Requires="p14">
       <p:transition p14:dur="100">
         <p:cut/>
       </p:transition>
@@ -4860,7 +4859,7 @@
     </p:spTree>
     <p:extLst>
       <p:ext uri="{BB962C8B-B14F-4D97-AF65-F5344CB8AC3E}">
-        <p14:creationId xmlns:p14="http://schemas.microsoft.com/office/powerpoint/2010/main" xmlns="" val="2972145195"/>
+        <p14:creationId xmlns="" xmlns:p14="http://schemas.microsoft.com/office/powerpoint/2010/main" val="2972145195"/>
       </p:ext>
     </p:extLst>
   </p:cSld>
@@ -4868,7 +4867,7 @@
     <a:masterClrMapping/>
   </p:clrMapOvr>
   <mc:AlternateContent xmlns:mc="http://schemas.openxmlformats.org/markup-compatibility/2006">
-    <mc:Choice xmlns:p14="http://schemas.microsoft.com/office/powerpoint/2010/main" xmlns="" Requires="p14">
+    <mc:Choice xmlns="" xmlns:p14="http://schemas.microsoft.com/office/powerpoint/2010/main" Requires="p14">
       <p:transition p14:dur="100">
         <p:cut/>
       </p:transition>
@@ -4970,7 +4969,7 @@
     </p:spTree>
     <p:extLst>
       <p:ext uri="{BB962C8B-B14F-4D97-AF65-F5344CB8AC3E}">
-        <p14:creationId xmlns:p14="http://schemas.microsoft.com/office/powerpoint/2010/main" xmlns="" val="3137979333"/>
+        <p14:creationId xmlns="" xmlns:p14="http://schemas.microsoft.com/office/powerpoint/2010/main" val="3137979333"/>
       </p:ext>
     </p:extLst>
   </p:cSld>
@@ -4978,7 +4977,7 @@
     <a:masterClrMapping/>
   </p:clrMapOvr>
   <mc:AlternateContent xmlns:mc="http://schemas.openxmlformats.org/markup-compatibility/2006">
-    <mc:Choice xmlns:p14="http://schemas.microsoft.com/office/powerpoint/2010/main" xmlns="" Requires="p14">
+    <mc:Choice xmlns="" xmlns:p14="http://schemas.microsoft.com/office/powerpoint/2010/main" Requires="p14">
       <p:transition p14:dur="100">
         <p:cut/>
       </p:transition>
